--- a/Chapter10.LCD Keyboard.pptx
+++ b/Chapter10.LCD Keyboard.pptx
@@ -249,7 +249,7 @@
           <a:p>
             <a:fld id="{966D5B4E-BF3E-3B45-A4BA-D6C3B92870D7}" type="datetimeFigureOut">
               <a:rPr lang="en-US" smtClean="0"/>
-              <a:t>6/25/2023</a:t>
+              <a:t>6/26/2023</a:t>
             </a:fld>
             <a:endParaRPr lang="en-US" dirty="0"/>
           </a:p>
@@ -426,7 +426,7 @@
           <a:p>
             <a:fld id="{F5A8621B-8C8E-49BA-8772-41D0FE75A082}" type="datetimeFigureOut">
               <a:rPr lang="en-US" smtClean="0"/>
-              <a:t>6/25/2023</a:t>
+              <a:t>6/26/2023</a:t>
             </a:fld>
             <a:endParaRPr lang="en-US" dirty="0"/>
           </a:p>
@@ -7778,25 +7778,33 @@
           <a:lstStyle/>
           <a:p>
             <a:r>
-              <a:rPr lang="en-US" dirty="0"/>
+              <a:rPr lang="en-US" dirty="0">
+                <a:cs typeface="B Nazanin" panose="00000400000000000000" pitchFamily="2" charset="-78"/>
+              </a:rPr>
               <a:t>To send data and commands to LCDs you should do the following steps. Notice that steps 2 and 3 can be repeated many times:</a:t>
             </a:r>
           </a:p>
           <a:p>
             <a:r>
-              <a:rPr lang="en-US" dirty="0"/>
+              <a:rPr lang="en-US" dirty="0">
+                <a:cs typeface="B Nazanin" panose="00000400000000000000" pitchFamily="2" charset="-78"/>
+              </a:rPr>
               <a:t>1. Initialize the LCD.</a:t>
             </a:r>
           </a:p>
           <a:p>
             <a:r>
-              <a:rPr lang="en-US" dirty="0"/>
+              <a:rPr lang="en-US" dirty="0">
+                <a:cs typeface="B Nazanin" panose="00000400000000000000" pitchFamily="2" charset="-78"/>
+              </a:rPr>
               <a:t>3. Send the character to be shown on the LCD.</a:t>
             </a:r>
           </a:p>
           <a:p>
             <a:r>
-              <a:rPr lang="en-US" dirty="0"/>
+              <a:rPr lang="en-US" dirty="0">
+                <a:cs typeface="B Nazanin" panose="00000400000000000000" pitchFamily="2" charset="-78"/>
+              </a:rPr>
               <a:t>2. Send any of the commands from Table 2 to the LCD.</a:t>
             </a:r>
           </a:p>
@@ -7832,55 +7840,77 @@
           <a:p>
             <a:pPr algn="r" rtl="1"/>
             <a:r>
-              <a:rPr lang="fa-IR" dirty="0"/>
+              <a:rPr lang="fa-IR" dirty="0">
+                <a:cs typeface="B Nazanin" panose="00000400000000000000" pitchFamily="2" charset="-78"/>
+              </a:rPr>
               <a:t>برای ارسال داده ها و دستورات به </a:t>
             </a:r>
             <a:r>
-              <a:rPr lang="en-US" dirty="0"/>
+              <a:rPr lang="en-US" dirty="0">
+                <a:cs typeface="B Nazanin" panose="00000400000000000000" pitchFamily="2" charset="-78"/>
+              </a:rPr>
               <a:t>LCD </a:t>
             </a:r>
             <a:r>
-              <a:rPr lang="fa-IR" dirty="0"/>
+              <a:rPr lang="fa-IR" dirty="0">
+                <a:cs typeface="B Nazanin" panose="00000400000000000000" pitchFamily="2" charset="-78"/>
+              </a:rPr>
               <a:t>باید مراحل زیر را انجام دهید. توجه داشته باشید که مراحل 2 و 3 را می توان چندین بار تکرار کرد:</a:t>
             </a:r>
           </a:p>
           <a:p>
             <a:pPr algn="r" rtl="1"/>
             <a:r>
-              <a:rPr lang="fa-IR" dirty="0"/>
+              <a:rPr lang="fa-IR" dirty="0">
+                <a:cs typeface="B Nazanin" panose="00000400000000000000" pitchFamily="2" charset="-78"/>
+              </a:rPr>
               <a:t>1. ال سی دی را راه اندازی کنید.</a:t>
             </a:r>
           </a:p>
           <a:p>
             <a:pPr algn="r" rtl="1"/>
             <a:r>
-              <a:rPr lang="fa-IR" dirty="0"/>
+              <a:rPr lang="fa-IR" dirty="0">
+                <a:cs typeface="B Nazanin" panose="00000400000000000000" pitchFamily="2" charset="-78"/>
+              </a:rPr>
               <a:t>3. کاراکتر را برای نمایش در </a:t>
             </a:r>
             <a:r>
-              <a:rPr lang="en-US" dirty="0"/>
+              <a:rPr lang="en-US" dirty="0">
+                <a:cs typeface="B Nazanin" panose="00000400000000000000" pitchFamily="2" charset="-78"/>
+              </a:rPr>
               <a:t>LCD </a:t>
             </a:r>
             <a:r>
-              <a:rPr lang="fa-IR" dirty="0"/>
+              <a:rPr lang="fa-IR" dirty="0">
+                <a:cs typeface="B Nazanin" panose="00000400000000000000" pitchFamily="2" charset="-78"/>
+              </a:rPr>
               <a:t>ارسال کنید.</a:t>
             </a:r>
           </a:p>
           <a:p>
             <a:pPr algn="r" rtl="1"/>
             <a:r>
-              <a:rPr lang="fa-IR" dirty="0"/>
+              <a:rPr lang="fa-IR" dirty="0">
+                <a:cs typeface="B Nazanin" panose="00000400000000000000" pitchFamily="2" charset="-78"/>
+              </a:rPr>
               <a:t>2. هر یک از دستورات جدول 2 را به </a:t>
             </a:r>
             <a:r>
-              <a:rPr lang="en-US" dirty="0"/>
+              <a:rPr lang="en-US" dirty="0">
+                <a:cs typeface="B Nazanin" panose="00000400000000000000" pitchFamily="2" charset="-78"/>
+              </a:rPr>
               <a:t>LCD </a:t>
             </a:r>
             <a:r>
-              <a:rPr lang="fa-IR" dirty="0"/>
+              <a:rPr lang="fa-IR" dirty="0">
+                <a:cs typeface="B Nazanin" panose="00000400000000000000" pitchFamily="2" charset="-78"/>
+              </a:rPr>
               <a:t>ارسال کنید.</a:t>
             </a:r>
-            <a:endParaRPr lang="en-US" dirty="0"/>
+            <a:endParaRPr lang="en-US" dirty="0">
+              <a:cs typeface="B Nazanin" panose="00000400000000000000" pitchFamily="2" charset="-78"/>
+            </a:endParaRPr>
           </a:p>
         </p:txBody>
       </p:sp>
@@ -7965,10 +7995,13 @@
                   <a:srgbClr val="2A1A00"/>
                 </a:solidFill>
                 <a:latin typeface="Impact" panose="020B0806030902050204" pitchFamily="34" charset="0"/>
+                <a:cs typeface="B Nazanin" panose="00000400000000000000" pitchFamily="2" charset="-78"/>
               </a:rPr>
               <a:t>Sending command and data to LCD</a:t>
             </a:r>
-            <a:endParaRPr lang="en-US" sz="4800" dirty="0"/>
+            <a:endParaRPr lang="en-US" sz="4800" dirty="0">
+              <a:cs typeface="B Nazanin" panose="00000400000000000000" pitchFamily="2" charset="-78"/>
+            </a:endParaRPr>
           </a:p>
         </p:txBody>
       </p:sp>
@@ -9170,21 +9203,21 @@
 </file>
 
 <file path=customXml/item1.xml><?xml version="1.0" encoding="utf-8"?>
+<p:properties xmlns:p="http://schemas.microsoft.com/office/2006/metadata/properties" xmlns:xsi="http://www.w3.org/2001/XMLSchema-instance" xmlns:pc="http://schemas.microsoft.com/office/infopath/2007/PartnerControls">
+  <documentManagement>
+    <Status xmlns="71af3243-3dd4-4a8d-8c0d-dd76da1f02a5">Not started</Status>
+    <MediaServiceKeyPoints xmlns="71af3243-3dd4-4a8d-8c0d-dd76da1f02a5" xsi:nil="true"/>
+  </documentManagement>
+</p:properties>
+</file>
+
+<file path=customXml/item2.xml><?xml version="1.0" encoding="utf-8"?>
 <?mso-contentType ?>
 <FormTemplates xmlns="http://schemas.microsoft.com/sharepoint/v3/contenttype/forms">
   <Display>DocumentLibraryForm</Display>
   <Edit>DocumentLibraryForm</Edit>
   <New>DocumentLibraryForm</New>
 </FormTemplates>
-</file>
-
-<file path=customXml/item2.xml><?xml version="1.0" encoding="utf-8"?>
-<p:properties xmlns:p="http://schemas.microsoft.com/office/2006/metadata/properties" xmlns:xsi="http://www.w3.org/2001/XMLSchema-instance" xmlns:pc="http://schemas.microsoft.com/office/infopath/2007/PartnerControls">
-  <documentManagement>
-    <Status xmlns="71af3243-3dd4-4a8d-8c0d-dd76da1f02a5">Not started</Status>
-    <MediaServiceKeyPoints xmlns="71af3243-3dd4-4a8d-8c0d-dd76da1f02a5" xsi:nil="true"/>
-  </documentManagement>
-</p:properties>
 </file>
 
 <file path=customXml/item3.xml><?xml version="1.0" encoding="utf-8"?>
@@ -9409,19 +9442,19 @@
 </file>
 
 <file path=customXml/itemProps1.xml><?xml version="1.0" encoding="utf-8"?>
-<ds:datastoreItem xmlns:ds="http://schemas.openxmlformats.org/officeDocument/2006/customXml" ds:itemID="{1B7E2D32-4FDD-4266-880C-17595B801432}">
+<ds:datastoreItem xmlns:ds="http://schemas.openxmlformats.org/officeDocument/2006/customXml" ds:itemID="{E3D9F223-918A-45AF-9B53-56AB9E5E2182}">
   <ds:schemaRefs>
-    <ds:schemaRef ds:uri="http://schemas.microsoft.com/sharepoint/v3/contenttype/forms"/>
+    <ds:schemaRef ds:uri="http://schemas.microsoft.com/office/2006/metadata/properties"/>
+    <ds:schemaRef ds:uri="http://schemas.microsoft.com/office/infopath/2007/PartnerControls"/>
+    <ds:schemaRef ds:uri="71af3243-3dd4-4a8d-8c0d-dd76da1f02a5"/>
   </ds:schemaRefs>
 </ds:datastoreItem>
 </file>
 
 <file path=customXml/itemProps2.xml><?xml version="1.0" encoding="utf-8"?>
-<ds:datastoreItem xmlns:ds="http://schemas.openxmlformats.org/officeDocument/2006/customXml" ds:itemID="{E3D9F223-918A-45AF-9B53-56AB9E5E2182}">
+<ds:datastoreItem xmlns:ds="http://schemas.openxmlformats.org/officeDocument/2006/customXml" ds:itemID="{1B7E2D32-4FDD-4266-880C-17595B801432}">
   <ds:schemaRefs>
-    <ds:schemaRef ds:uri="http://schemas.microsoft.com/office/2006/metadata/properties"/>
-    <ds:schemaRef ds:uri="http://schemas.microsoft.com/office/infopath/2007/PartnerControls"/>
-    <ds:schemaRef ds:uri="71af3243-3dd4-4a8d-8c0d-dd76da1f02a5"/>
+    <ds:schemaRef ds:uri="http://schemas.microsoft.com/sharepoint/v3/contenttype/forms"/>
   </ds:schemaRefs>
 </ds:datastoreItem>
 </file>
